--- a/doc/CryptoKnight.pptx
+++ b/doc/CryptoKnight.pptx
@@ -201,7 +201,7 @@
           <a:p>
             <a:fld id="{F2605E31-AC78-451B-99E2-6794F7790CB7}" type="datetimeFigureOut">
               <a:rPr lang="de-AT" smtClean="0"/>
-              <a:t>26.01.2017</a:t>
+              <a:t>27.01.2017</a:t>
             </a:fld>
             <a:endParaRPr lang="de-AT"/>
           </a:p>
@@ -684,7 +684,7 @@
           <a:p>
             <a:fld id="{CB43E94C-6866-4031-9EE6-58380AAF1717}" type="datetime1">
               <a:rPr lang="de-AT" smtClean="0"/>
-              <a:t>26.01.2017</a:t>
+              <a:t>27.01.2017</a:t>
             </a:fld>
             <a:endParaRPr lang="de-AT"/>
           </a:p>
@@ -857,7 +857,7 @@
           <a:p>
             <a:fld id="{7FA764DC-A985-49BA-9B2D-39572C2A735E}" type="datetime1">
               <a:rPr lang="de-AT" smtClean="0"/>
-              <a:t>26.01.2017</a:t>
+              <a:t>27.01.2017</a:t>
             </a:fld>
             <a:endParaRPr lang="de-AT"/>
           </a:p>
@@ -1040,7 +1040,7 @@
           <a:p>
             <a:fld id="{32691029-3981-405A-A26D-D2A75622FD48}" type="datetime1">
               <a:rPr lang="de-AT" smtClean="0"/>
-              <a:t>26.01.2017</a:t>
+              <a:t>27.01.2017</a:t>
             </a:fld>
             <a:endParaRPr lang="de-AT"/>
           </a:p>
@@ -1221,7 +1221,7 @@
           <a:p>
             <a:fld id="{43F967AC-8CBE-43B9-AC85-30BED67307FB}" type="datetime1">
               <a:rPr lang="de-AT" smtClean="0"/>
-              <a:t>26.01.2017</a:t>
+              <a:t>27.01.2017</a:t>
             </a:fld>
             <a:endParaRPr lang="de-AT" dirty="0"/>
           </a:p>
@@ -1478,7 +1478,7 @@
           <a:p>
             <a:fld id="{2AF0C928-C40F-4C27-B3D3-1A72FD9C4A5A}" type="datetime1">
               <a:rPr lang="de-AT" smtClean="0"/>
-              <a:t>26.01.2017</a:t>
+              <a:t>27.01.2017</a:t>
             </a:fld>
             <a:endParaRPr lang="de-AT"/>
           </a:p>
@@ -1713,7 +1713,7 @@
           <a:p>
             <a:fld id="{0CA8D2CA-6249-46F0-882B-881FDF540152}" type="datetime1">
               <a:rPr lang="de-AT" smtClean="0"/>
-              <a:t>26.01.2017</a:t>
+              <a:t>27.01.2017</a:t>
             </a:fld>
             <a:endParaRPr lang="de-AT"/>
           </a:p>
@@ -2083,7 +2083,7 @@
           <a:p>
             <a:fld id="{C29B99E7-AE70-4165-A6B4-4401334A33B8}" type="datetime1">
               <a:rPr lang="de-AT" smtClean="0"/>
-              <a:t>26.01.2017</a:t>
+              <a:t>27.01.2017</a:t>
             </a:fld>
             <a:endParaRPr lang="de-AT"/>
           </a:p>
@@ -2204,7 +2204,7 @@
           <a:p>
             <a:fld id="{CB3ED21B-00C8-4D6F-ADE8-85C41E13967D}" type="datetime1">
               <a:rPr lang="de-AT" smtClean="0"/>
-              <a:t>26.01.2017</a:t>
+              <a:t>27.01.2017</a:t>
             </a:fld>
             <a:endParaRPr lang="de-AT"/>
           </a:p>
@@ -2302,7 +2302,7 @@
           <a:p>
             <a:fld id="{430D1784-D1B2-44C7-A2E4-BC19507E5E28}" type="datetime1">
               <a:rPr lang="de-AT" smtClean="0"/>
-              <a:t>26.01.2017</a:t>
+              <a:t>27.01.2017</a:t>
             </a:fld>
             <a:endParaRPr lang="de-AT"/>
           </a:p>
@@ -2582,7 +2582,7 @@
           <a:p>
             <a:fld id="{65AC71FA-8590-487C-BA0F-8EEA5AAFE14A}" type="datetime1">
               <a:rPr lang="de-AT" smtClean="0"/>
-              <a:t>26.01.2017</a:t>
+              <a:t>27.01.2017</a:t>
             </a:fld>
             <a:endParaRPr lang="de-AT"/>
           </a:p>
@@ -2838,7 +2838,7 @@
           <a:p>
             <a:fld id="{3EF6DEC5-2763-49D8-AEE1-EC8C356D7867}" type="datetime1">
               <a:rPr lang="de-AT" smtClean="0"/>
-              <a:t>26.01.2017</a:t>
+              <a:t>27.01.2017</a:t>
             </a:fld>
             <a:endParaRPr lang="de-AT"/>
           </a:p>
@@ -3125,7 +3125,7 @@
           <a:p>
             <a:fld id="{B2966253-F4BE-4E27-A9D7-4275BE411ED0}" type="datetime1">
               <a:rPr lang="de-AT" smtClean="0"/>
-              <a:t>26.01.2017</a:t>
+              <a:t>27.01.2017</a:t>
             </a:fld>
             <a:endParaRPr lang="de-AT" dirty="0"/>
           </a:p>
@@ -3620,7 +3620,7 @@
         <p:spPr>
           <a:xfrm>
             <a:off x="2227218" y="5087285"/>
-            <a:ext cx="4369273" cy="369332"/>
+            <a:ext cx="3965316" cy="369332"/>
           </a:xfrm>
           <a:prstGeom prst="rect">
             <a:avLst/>
@@ -3644,7 +3644,7 @@
                 <a:latin typeface="Segoe UI Light" panose="020B0502040204020203" pitchFamily="34" charset="0"/>
                 <a:cs typeface="Segoe UI Light" panose="020B0502040204020203" pitchFamily="34" charset="0"/>
               </a:rPr>
-              <a:t>https://github.com/Xpitfire/dotnet-crypto.git</a:t>
+              <a:t>https://github.com/Xpitfire/cryptoknight</a:t>
             </a:r>
             <a:endParaRPr lang="de-AT" i="1" dirty="0">
               <a:solidFill>

--- a/doc/CryptoKnight.pptx
+++ b/doc/CryptoKnight.pptx
@@ -5,14 +5,15 @@
     <p:sldMasterId id="2147483648" r:id="rId1"/>
   </p:sldMasterIdLst>
   <p:notesMasterIdLst>
-    <p:notesMasterId r:id="rId7"/>
+    <p:notesMasterId r:id="rId8"/>
   </p:notesMasterIdLst>
   <p:sldIdLst>
     <p:sldId id="256" r:id="rId2"/>
     <p:sldId id="282" r:id="rId3"/>
     <p:sldId id="262" r:id="rId4"/>
-    <p:sldId id="258" r:id="rId5"/>
-    <p:sldId id="273" r:id="rId6"/>
+    <p:sldId id="283" r:id="rId5"/>
+    <p:sldId id="258" r:id="rId6"/>
+    <p:sldId id="273" r:id="rId7"/>
   </p:sldIdLst>
   <p:sldSz cx="12192000" cy="6858000"/>
   <p:notesSz cx="6858000" cy="9144000"/>
@@ -534,7 +535,7 @@
           <a:p>
             <a:fld id="{2E4D99F9-FAC5-409E-8B8C-F5AEB7812345}" type="slidenum">
               <a:rPr lang="de-AT" smtClean="0"/>
-              <a:t>5</a:t>
+              <a:t>6</a:t>
             </a:fld>
             <a:endParaRPr lang="de-AT"/>
           </a:p>
@@ -4451,6 +4452,186 @@
           <a:p>
             <a:r>
               <a:rPr lang="en-US" dirty="0" smtClean="0"/>
+              <a:t>Apps</a:t>
+            </a:r>
+            <a:endParaRPr lang="de-AT" dirty="0"/>
+          </a:p>
+        </p:txBody>
+      </p:sp>
+      <p:sp>
+        <p:nvSpPr>
+          <p:cNvPr id="4" name="Rechteck 3"/>
+          <p:cNvSpPr/>
+          <p:nvPr/>
+        </p:nvSpPr>
+        <p:spPr>
+          <a:xfrm>
+            <a:off x="0" y="365125"/>
+            <a:ext cx="269507" cy="963161"/>
+          </a:xfrm>
+          <a:prstGeom prst="rect">
+            <a:avLst/>
+          </a:prstGeom>
+          <a:solidFill>
+            <a:srgbClr val="C10C06"/>
+          </a:solidFill>
+          <a:ln>
+            <a:noFill/>
+          </a:ln>
+        </p:spPr>
+        <p:style>
+          <a:lnRef idx="2">
+            <a:schemeClr val="accent1">
+              <a:shade val="50000"/>
+            </a:schemeClr>
+          </a:lnRef>
+          <a:fillRef idx="1">
+            <a:schemeClr val="accent1"/>
+          </a:fillRef>
+          <a:effectRef idx="0">
+            <a:schemeClr val="accent1"/>
+          </a:effectRef>
+          <a:fontRef idx="minor">
+            <a:schemeClr val="lt1"/>
+          </a:fontRef>
+        </p:style>
+        <p:txBody>
+          <a:bodyPr rtlCol="0" anchor="ctr"/>
+          <a:lstStyle/>
+          <a:p>
+            <a:pPr algn="ctr"/>
+            <a:endParaRPr lang="de-AT"/>
+          </a:p>
+        </p:txBody>
+      </p:sp>
+      <p:sp>
+        <p:nvSpPr>
+          <p:cNvPr id="5" name="Slide Number Placeholder 4"/>
+          <p:cNvSpPr>
+            <a:spLocks noGrp="1"/>
+          </p:cNvSpPr>
+          <p:nvPr>
+            <p:ph type="sldNum" sz="quarter" idx="12"/>
+          </p:nvPr>
+        </p:nvSpPr>
+        <p:spPr/>
+        <p:txBody>
+          <a:bodyPr/>
+          <a:lstStyle/>
+          <a:p>
+            <a:fld id="{B7825F49-4F6C-4B99-B6AF-63ECC5856A9E}" type="slidenum">
+              <a:rPr lang="de-AT" smtClean="0"/>
+              <a:t>3</a:t>
+            </a:fld>
+            <a:endParaRPr lang="de-AT"/>
+          </a:p>
+        </p:txBody>
+      </p:sp>
+      <p:pic>
+        <p:nvPicPr>
+          <p:cNvPr id="3" name="Picture 2"/>
+          <p:cNvPicPr>
+            <a:picLocks noChangeAspect="1"/>
+          </p:cNvPicPr>
+          <p:nvPr/>
+        </p:nvPicPr>
+        <p:blipFill>
+          <a:blip r:embed="rId2"/>
+          <a:stretch>
+            <a:fillRect/>
+          </a:stretch>
+        </p:blipFill>
+        <p:spPr>
+          <a:xfrm>
+            <a:off x="746449" y="1562425"/>
+            <a:ext cx="5246913" cy="3247065"/>
+          </a:xfrm>
+          <a:prstGeom prst="rect">
+            <a:avLst/>
+          </a:prstGeom>
+        </p:spPr>
+      </p:pic>
+      <p:pic>
+        <p:nvPicPr>
+          <p:cNvPr id="6" name="Picture 5"/>
+          <p:cNvPicPr>
+            <a:picLocks noChangeAspect="1"/>
+          </p:cNvPicPr>
+          <p:nvPr/>
+        </p:nvPicPr>
+        <p:blipFill>
+          <a:blip r:embed="rId3"/>
+          <a:stretch>
+            <a:fillRect/>
+          </a:stretch>
+        </p:blipFill>
+        <p:spPr>
+          <a:xfrm>
+            <a:off x="6095999" y="2918879"/>
+            <a:ext cx="5400511" cy="3128673"/>
+          </a:xfrm>
+          <a:prstGeom prst="rect">
+            <a:avLst/>
+          </a:prstGeom>
+        </p:spPr>
+      </p:pic>
+    </p:spTree>
+    <p:extLst>
+      <p:ext uri="{BB962C8B-B14F-4D97-AF65-F5344CB8AC3E}">
+        <p14:creationId xmlns:p14="http://schemas.microsoft.com/office/powerpoint/2010/main" val="277563180"/>
+      </p:ext>
+    </p:extLst>
+  </p:cSld>
+  <p:clrMapOvr>
+    <a:masterClrMapping/>
+  </p:clrMapOvr>
+  <p:transition spd="slow">
+    <p:push dir="u"/>
+  </p:transition>
+  <p:timing>
+    <p:tnLst>
+      <p:par>
+        <p:cTn id="1" dur="indefinite" restart="never" nodeType="tmRoot"/>
+      </p:par>
+    </p:tnLst>
+  </p:timing>
+</p:sld>
+</file>
+
+<file path=ppt/slides/slide4.xml><?xml version="1.0" encoding="utf-8"?>
+<p:sld xmlns:a="http://schemas.openxmlformats.org/drawingml/2006/main" xmlns:r="http://schemas.openxmlformats.org/officeDocument/2006/relationships" xmlns:p="http://schemas.openxmlformats.org/presentationml/2006/main">
+  <p:cSld>
+    <p:spTree>
+      <p:nvGrpSpPr>
+        <p:cNvPr id="1" name=""/>
+        <p:cNvGrpSpPr/>
+        <p:nvPr/>
+      </p:nvGrpSpPr>
+      <p:grpSpPr>
+        <a:xfrm>
+          <a:off x="0" y="0"/>
+          <a:ext cx="0" cy="0"/>
+          <a:chOff x="0" y="0"/>
+          <a:chExt cx="0" cy="0"/>
+        </a:xfrm>
+      </p:grpSpPr>
+      <p:sp>
+        <p:nvSpPr>
+          <p:cNvPr id="2" name="Titel 1"/>
+          <p:cNvSpPr>
+            <a:spLocks noGrp="1"/>
+          </p:cNvSpPr>
+          <p:nvPr>
+            <p:ph type="title"/>
+          </p:nvPr>
+        </p:nvSpPr>
+        <p:spPr/>
+        <p:txBody>
+          <a:bodyPr/>
+          <a:lstStyle/>
+          <a:p>
+            <a:r>
+              <a:rPr lang="en-US" dirty="0" smtClean="0"/>
               <a:t>Architecture</a:t>
             </a:r>
             <a:endParaRPr lang="de-AT" dirty="0"/>
@@ -4710,7 +4891,7 @@
           <a:p>
             <a:fld id="{B7825F49-4F6C-4B99-B6AF-63ECC5856A9E}" type="slidenum">
               <a:rPr lang="de-AT" smtClean="0"/>
-              <a:t>3</a:t>
+              <a:t>4</a:t>
             </a:fld>
             <a:endParaRPr lang="de-AT"/>
           </a:p>
@@ -4749,112 +4930,7 @@
     </p:spTree>
     <p:extLst>
       <p:ext uri="{BB962C8B-B14F-4D97-AF65-F5344CB8AC3E}">
-        <p14:creationId xmlns:p14="http://schemas.microsoft.com/office/powerpoint/2010/main" val="277563180"/>
-      </p:ext>
-    </p:extLst>
-  </p:cSld>
-  <p:clrMapOvr>
-    <a:masterClrMapping/>
-  </p:clrMapOvr>
-  <p:transition spd="slow">
-    <p:push dir="u"/>
-  </p:transition>
-  <p:timing>
-    <p:tnLst>
-      <p:par>
-        <p:cTn id="1" dur="indefinite" restart="never" nodeType="tmRoot"/>
-      </p:par>
-    </p:tnLst>
-  </p:timing>
-</p:sld>
-</file>
-
-<file path=ppt/slides/slide4.xml><?xml version="1.0" encoding="utf-8"?>
-<p:sld xmlns:a="http://schemas.openxmlformats.org/drawingml/2006/main" xmlns:r="http://schemas.openxmlformats.org/officeDocument/2006/relationships" xmlns:p="http://schemas.openxmlformats.org/presentationml/2006/main">
-  <p:cSld>
-    <p:bg>
-      <p:bgPr>
-        <a:solidFill>
-          <a:srgbClr val="FA6800"/>
-        </a:solidFill>
-        <a:effectLst/>
-      </p:bgPr>
-    </p:bg>
-    <p:spTree>
-      <p:nvGrpSpPr>
-        <p:cNvPr id="1" name=""/>
-        <p:cNvGrpSpPr/>
-        <p:nvPr/>
-      </p:nvGrpSpPr>
-      <p:grpSpPr>
-        <a:xfrm>
-          <a:off x="0" y="0"/>
-          <a:ext cx="0" cy="0"/>
-          <a:chOff x="0" y="0"/>
-          <a:chExt cx="0" cy="0"/>
-        </a:xfrm>
-      </p:grpSpPr>
-      <p:sp>
-        <p:nvSpPr>
-          <p:cNvPr id="2" name="Titel 1"/>
-          <p:cNvSpPr>
-            <a:spLocks noGrp="1"/>
-          </p:cNvSpPr>
-          <p:nvPr>
-            <p:ph type="ctrTitle"/>
-          </p:nvPr>
-        </p:nvSpPr>
-        <p:spPr>
-          <a:xfrm>
-            <a:off x="1524000" y="2742400"/>
-            <a:ext cx="9144000" cy="871266"/>
-          </a:xfrm>
-        </p:spPr>
-        <p:txBody>
-          <a:bodyPr>
-            <a:normAutofit/>
-          </a:bodyPr>
-          <a:lstStyle/>
-          <a:p>
-            <a:r>
-              <a:rPr lang="en-US" sz="4400" dirty="0" smtClean="0"/>
-              <a:t>Demo (Go Code or Go Home)</a:t>
-            </a:r>
-            <a:endParaRPr lang="de-AT" sz="4400" dirty="0">
-              <a:solidFill>
-                <a:schemeClr val="bg1"/>
-              </a:solidFill>
-            </a:endParaRPr>
-          </a:p>
-        </p:txBody>
-      </p:sp>
-      <p:sp>
-        <p:nvSpPr>
-          <p:cNvPr id="3" name="Slide Number Placeholder 2"/>
-          <p:cNvSpPr>
-            <a:spLocks noGrp="1"/>
-          </p:cNvSpPr>
-          <p:nvPr>
-            <p:ph type="sldNum" sz="quarter" idx="12"/>
-          </p:nvPr>
-        </p:nvSpPr>
-        <p:spPr/>
-        <p:txBody>
-          <a:bodyPr/>
-          <a:lstStyle/>
-          <a:p>
-            <a:fld id="{B7825F49-4F6C-4B99-B6AF-63ECC5856A9E}" type="slidenum">
-              <a:rPr lang="de-AT" smtClean="0"/>
-              <a:t>4</a:t>
-            </a:fld>
-            <a:endParaRPr lang="de-AT"/>
-          </a:p>
-        </p:txBody>
-      </p:sp>
-    </p:spTree>
-    <p:extLst>
-      <p:ext uri="{BB962C8B-B14F-4D97-AF65-F5344CB8AC3E}">
-        <p14:creationId xmlns:p14="http://schemas.microsoft.com/office/powerpoint/2010/main" val="3543094497"/>
+        <p14:creationId xmlns:p14="http://schemas.microsoft.com/office/powerpoint/2010/main" val="1249234080"/>
       </p:ext>
     </p:extLst>
   </p:cSld>
@@ -4880,6 +4956,111 @@
     <p:bg>
       <p:bgPr>
         <a:solidFill>
+          <a:srgbClr val="FA6800"/>
+        </a:solidFill>
+        <a:effectLst/>
+      </p:bgPr>
+    </p:bg>
+    <p:spTree>
+      <p:nvGrpSpPr>
+        <p:cNvPr id="1" name=""/>
+        <p:cNvGrpSpPr/>
+        <p:nvPr/>
+      </p:nvGrpSpPr>
+      <p:grpSpPr>
+        <a:xfrm>
+          <a:off x="0" y="0"/>
+          <a:ext cx="0" cy="0"/>
+          <a:chOff x="0" y="0"/>
+          <a:chExt cx="0" cy="0"/>
+        </a:xfrm>
+      </p:grpSpPr>
+      <p:sp>
+        <p:nvSpPr>
+          <p:cNvPr id="2" name="Titel 1"/>
+          <p:cNvSpPr>
+            <a:spLocks noGrp="1"/>
+          </p:cNvSpPr>
+          <p:nvPr>
+            <p:ph type="ctrTitle"/>
+          </p:nvPr>
+        </p:nvSpPr>
+        <p:spPr>
+          <a:xfrm>
+            <a:off x="1524000" y="2742400"/>
+            <a:ext cx="9144000" cy="871266"/>
+          </a:xfrm>
+        </p:spPr>
+        <p:txBody>
+          <a:bodyPr>
+            <a:normAutofit/>
+          </a:bodyPr>
+          <a:lstStyle/>
+          <a:p>
+            <a:r>
+              <a:rPr lang="en-US" sz="4400" dirty="0" smtClean="0"/>
+              <a:t>Demo (Go Code or Go Home)</a:t>
+            </a:r>
+            <a:endParaRPr lang="de-AT" sz="4400" dirty="0">
+              <a:solidFill>
+                <a:schemeClr val="bg1"/>
+              </a:solidFill>
+            </a:endParaRPr>
+          </a:p>
+        </p:txBody>
+      </p:sp>
+      <p:sp>
+        <p:nvSpPr>
+          <p:cNvPr id="3" name="Slide Number Placeholder 2"/>
+          <p:cNvSpPr>
+            <a:spLocks noGrp="1"/>
+          </p:cNvSpPr>
+          <p:nvPr>
+            <p:ph type="sldNum" sz="quarter" idx="12"/>
+          </p:nvPr>
+        </p:nvSpPr>
+        <p:spPr/>
+        <p:txBody>
+          <a:bodyPr/>
+          <a:lstStyle/>
+          <a:p>
+            <a:fld id="{B7825F49-4F6C-4B99-B6AF-63ECC5856A9E}" type="slidenum">
+              <a:rPr lang="de-AT" smtClean="0"/>
+              <a:t>5</a:t>
+            </a:fld>
+            <a:endParaRPr lang="de-AT"/>
+          </a:p>
+        </p:txBody>
+      </p:sp>
+    </p:spTree>
+    <p:extLst>
+      <p:ext uri="{BB962C8B-B14F-4D97-AF65-F5344CB8AC3E}">
+        <p14:creationId xmlns:p14="http://schemas.microsoft.com/office/powerpoint/2010/main" val="3543094497"/>
+      </p:ext>
+    </p:extLst>
+  </p:cSld>
+  <p:clrMapOvr>
+    <a:masterClrMapping/>
+  </p:clrMapOvr>
+  <p:transition spd="slow">
+    <p:push dir="u"/>
+  </p:transition>
+  <p:timing>
+    <p:tnLst>
+      <p:par>
+        <p:cTn id="1" dur="indefinite" restart="never" nodeType="tmRoot"/>
+      </p:par>
+    </p:tnLst>
+  </p:timing>
+</p:sld>
+</file>
+
+<file path=ppt/slides/slide6.xml><?xml version="1.0" encoding="utf-8"?>
+<p:sld xmlns:a="http://schemas.openxmlformats.org/drawingml/2006/main" xmlns:r="http://schemas.openxmlformats.org/officeDocument/2006/relationships" xmlns:p="http://schemas.openxmlformats.org/presentationml/2006/main">
+  <p:cSld>
+    <p:bg>
+      <p:bgPr>
+        <a:solidFill>
           <a:srgbClr val="E6AF00"/>
         </a:solidFill>
         <a:effectLst/>
@@ -4946,7 +5127,7 @@
           <a:p>
             <a:fld id="{B7825F49-4F6C-4B99-B6AF-63ECC5856A9E}" type="slidenum">
               <a:rPr lang="de-AT" smtClean="0"/>
-              <a:t>5</a:t>
+              <a:t>6</a:t>
             </a:fld>
             <a:endParaRPr lang="de-AT"/>
           </a:p>

--- a/doc/CryptoKnight.pptx
+++ b/doc/CryptoKnight.pptx
@@ -5,15 +5,16 @@
     <p:sldMasterId id="2147483648" r:id="rId1"/>
   </p:sldMasterIdLst>
   <p:notesMasterIdLst>
-    <p:notesMasterId r:id="rId8"/>
+    <p:notesMasterId r:id="rId9"/>
   </p:notesMasterIdLst>
   <p:sldIdLst>
     <p:sldId id="256" r:id="rId2"/>
     <p:sldId id="282" r:id="rId3"/>
     <p:sldId id="262" r:id="rId4"/>
-    <p:sldId id="283" r:id="rId5"/>
-    <p:sldId id="258" r:id="rId6"/>
-    <p:sldId id="273" r:id="rId7"/>
+    <p:sldId id="284" r:id="rId5"/>
+    <p:sldId id="283" r:id="rId6"/>
+    <p:sldId id="258" r:id="rId7"/>
+    <p:sldId id="273" r:id="rId8"/>
   </p:sldIdLst>
   <p:sldSz cx="12192000" cy="6858000"/>
   <p:notesSz cx="6858000" cy="9144000"/>
@@ -535,7 +536,7 @@
           <a:p>
             <a:fld id="{2E4D99F9-FAC5-409E-8B8C-F5AEB7812345}" type="slidenum">
               <a:rPr lang="de-AT" smtClean="0"/>
-              <a:t>6</a:t>
+              <a:t>7</a:t>
             </a:fld>
             <a:endParaRPr lang="de-AT"/>
           </a:p>
@@ -4632,6 +4633,162 @@
           <a:p>
             <a:r>
               <a:rPr lang="en-US" dirty="0" smtClean="0"/>
+              <a:t>Features</a:t>
+            </a:r>
+            <a:endParaRPr lang="de-AT" dirty="0"/>
+          </a:p>
+        </p:txBody>
+      </p:sp>
+      <p:sp>
+        <p:nvSpPr>
+          <p:cNvPr id="4" name="Rechteck 3"/>
+          <p:cNvSpPr/>
+          <p:nvPr/>
+        </p:nvSpPr>
+        <p:spPr>
+          <a:xfrm>
+            <a:off x="0" y="365125"/>
+            <a:ext cx="269507" cy="963161"/>
+          </a:xfrm>
+          <a:prstGeom prst="rect">
+            <a:avLst/>
+          </a:prstGeom>
+          <a:solidFill>
+            <a:srgbClr val="C10C06"/>
+          </a:solidFill>
+          <a:ln>
+            <a:noFill/>
+          </a:ln>
+        </p:spPr>
+        <p:style>
+          <a:lnRef idx="2">
+            <a:schemeClr val="accent1">
+              <a:shade val="50000"/>
+            </a:schemeClr>
+          </a:lnRef>
+          <a:fillRef idx="1">
+            <a:schemeClr val="accent1"/>
+          </a:fillRef>
+          <a:effectRef idx="0">
+            <a:schemeClr val="accent1"/>
+          </a:effectRef>
+          <a:fontRef idx="minor">
+            <a:schemeClr val="lt1"/>
+          </a:fontRef>
+        </p:style>
+        <p:txBody>
+          <a:bodyPr rtlCol="0" anchor="ctr"/>
+          <a:lstStyle/>
+          <a:p>
+            <a:pPr algn="ctr"/>
+            <a:endParaRPr lang="de-AT"/>
+          </a:p>
+        </p:txBody>
+      </p:sp>
+      <p:sp>
+        <p:nvSpPr>
+          <p:cNvPr id="5" name="Slide Number Placeholder 4"/>
+          <p:cNvSpPr>
+            <a:spLocks noGrp="1"/>
+          </p:cNvSpPr>
+          <p:nvPr>
+            <p:ph type="sldNum" sz="quarter" idx="12"/>
+          </p:nvPr>
+        </p:nvSpPr>
+        <p:spPr/>
+        <p:txBody>
+          <a:bodyPr/>
+          <a:lstStyle/>
+          <a:p>
+            <a:fld id="{B7825F49-4F6C-4B99-B6AF-63ECC5856A9E}" type="slidenum">
+              <a:rPr lang="de-AT" smtClean="0"/>
+              <a:t>4</a:t>
+            </a:fld>
+            <a:endParaRPr lang="de-AT"/>
+          </a:p>
+        </p:txBody>
+      </p:sp>
+      <p:pic>
+        <p:nvPicPr>
+          <p:cNvPr id="7" name="Picture 6"/>
+          <p:cNvPicPr>
+            <a:picLocks noChangeAspect="1"/>
+          </p:cNvPicPr>
+          <p:nvPr/>
+        </p:nvPicPr>
+        <p:blipFill>
+          <a:blip r:embed="rId2"/>
+          <a:stretch>
+            <a:fillRect/>
+          </a:stretch>
+        </p:blipFill>
+        <p:spPr>
+          <a:xfrm>
+            <a:off x="2225992" y="1328286"/>
+            <a:ext cx="7740014" cy="4833404"/>
+          </a:xfrm>
+          <a:prstGeom prst="rect">
+            <a:avLst/>
+          </a:prstGeom>
+        </p:spPr>
+      </p:pic>
+    </p:spTree>
+    <p:extLst>
+      <p:ext uri="{BB962C8B-B14F-4D97-AF65-F5344CB8AC3E}">
+        <p14:creationId xmlns:p14="http://schemas.microsoft.com/office/powerpoint/2010/main" val="15268968"/>
+      </p:ext>
+    </p:extLst>
+  </p:cSld>
+  <p:clrMapOvr>
+    <a:masterClrMapping/>
+  </p:clrMapOvr>
+  <p:transition spd="slow">
+    <p:push dir="u"/>
+  </p:transition>
+  <p:timing>
+    <p:tnLst>
+      <p:par>
+        <p:cTn id="1" dur="indefinite" restart="never" nodeType="tmRoot"/>
+      </p:par>
+    </p:tnLst>
+  </p:timing>
+</p:sld>
+</file>
+
+<file path=ppt/slides/slide5.xml><?xml version="1.0" encoding="utf-8"?>
+<p:sld xmlns:a="http://schemas.openxmlformats.org/drawingml/2006/main" xmlns:r="http://schemas.openxmlformats.org/officeDocument/2006/relationships" xmlns:p="http://schemas.openxmlformats.org/presentationml/2006/main">
+  <p:cSld>
+    <p:spTree>
+      <p:nvGrpSpPr>
+        <p:cNvPr id="1" name=""/>
+        <p:cNvGrpSpPr/>
+        <p:nvPr/>
+      </p:nvGrpSpPr>
+      <p:grpSpPr>
+        <a:xfrm>
+          <a:off x="0" y="0"/>
+          <a:ext cx="0" cy="0"/>
+          <a:chOff x="0" y="0"/>
+          <a:chExt cx="0" cy="0"/>
+        </a:xfrm>
+      </p:grpSpPr>
+      <p:sp>
+        <p:nvSpPr>
+          <p:cNvPr id="2" name="Titel 1"/>
+          <p:cNvSpPr>
+            <a:spLocks noGrp="1"/>
+          </p:cNvSpPr>
+          <p:nvPr>
+            <p:ph type="title"/>
+          </p:nvPr>
+        </p:nvSpPr>
+        <p:spPr/>
+        <p:txBody>
+          <a:bodyPr/>
+          <a:lstStyle/>
+          <a:p>
+            <a:r>
+              <a:rPr lang="en-US" dirty="0" smtClean="0"/>
               <a:t>Architecture</a:t>
             </a:r>
             <a:endParaRPr lang="de-AT" dirty="0"/>
@@ -4891,7 +5048,7 @@
           <a:p>
             <a:fld id="{B7825F49-4F6C-4B99-B6AF-63ECC5856A9E}" type="slidenum">
               <a:rPr lang="de-AT" smtClean="0"/>
-              <a:t>4</a:t>
+              <a:t>5</a:t>
             </a:fld>
             <a:endParaRPr lang="de-AT"/>
           </a:p>
@@ -4950,7 +5107,7 @@
 </p:sld>
 </file>
 
-<file path=ppt/slides/slide5.xml><?xml version="1.0" encoding="utf-8"?>
+<file path=ppt/slides/slide6.xml><?xml version="1.0" encoding="utf-8"?>
 <p:sld xmlns:a="http://schemas.openxmlformats.org/drawingml/2006/main" xmlns:r="http://schemas.openxmlformats.org/officeDocument/2006/relationships" xmlns:p="http://schemas.openxmlformats.org/presentationml/2006/main">
   <p:cSld>
     <p:bg>
@@ -5026,7 +5183,7 @@
           <a:p>
             <a:fld id="{B7825F49-4F6C-4B99-B6AF-63ECC5856A9E}" type="slidenum">
               <a:rPr lang="de-AT" smtClean="0"/>
-              <a:t>5</a:t>
+              <a:t>6</a:t>
             </a:fld>
             <a:endParaRPr lang="de-AT"/>
           </a:p>
@@ -5055,7 +5212,7 @@
 </p:sld>
 </file>
 
-<file path=ppt/slides/slide6.xml><?xml version="1.0" encoding="utf-8"?>
+<file path=ppt/slides/slide7.xml><?xml version="1.0" encoding="utf-8"?>
 <p:sld xmlns:a="http://schemas.openxmlformats.org/drawingml/2006/main" xmlns:r="http://schemas.openxmlformats.org/officeDocument/2006/relationships" xmlns:p="http://schemas.openxmlformats.org/presentationml/2006/main">
   <p:cSld>
     <p:bg>
@@ -5127,7 +5284,7 @@
           <a:p>
             <a:fld id="{B7825F49-4F6C-4B99-B6AF-63ECC5856A9E}" type="slidenum">
               <a:rPr lang="de-AT" smtClean="0"/>
-              <a:t>6</a:t>
+              <a:t>7</a:t>
             </a:fld>
             <a:endParaRPr lang="de-AT"/>
           </a:p>
